--- a/3-课程PPT/心理学实验编程之Inquisit篇-2.pptx
+++ b/3-课程PPT/心理学实验编程之Inquisit篇-2.pptx
@@ -5,7 +5,7 @@
     <p:sldMasterId id="2147483648" r:id="rId1"/>
   </p:sldMasterIdLst>
   <p:notesMasterIdLst>
-    <p:notesMasterId r:id="rId16"/>
+    <p:notesMasterId r:id="rId19"/>
   </p:notesMasterIdLst>
   <p:sldIdLst>
     <p:sldId id="256" r:id="rId2"/>
@@ -21,7 +21,10 @@
     <p:sldId id="278" r:id="rId12"/>
     <p:sldId id="279" r:id="rId13"/>
     <p:sldId id="280" r:id="rId14"/>
-    <p:sldId id="272" r:id="rId15"/>
+    <p:sldId id="281" r:id="rId15"/>
+    <p:sldId id="282" r:id="rId16"/>
+    <p:sldId id="283" r:id="rId17"/>
+    <p:sldId id="272" r:id="rId18"/>
   </p:sldIdLst>
   <p:sldSz cx="12192000" cy="6858000"/>
   <p:notesSz cx="6858000" cy="9144000"/>
@@ -146,6 +149,9 @@
             <p14:sldId id="278"/>
             <p14:sldId id="279"/>
             <p14:sldId id="280"/>
+            <p14:sldId id="281"/>
+            <p14:sldId id="282"/>
+            <p14:sldId id="283"/>
             <p14:sldId id="272"/>
           </p14:sldIdLst>
         </p14:section>
@@ -240,7 +246,7 @@
           <a:p>
             <a:fld id="{6F44AA5E-1A0A-430D-BFBF-EE62A0E03735}" type="datetimeFigureOut">
               <a:rPr lang="zh-CN" altLang="en-US" smtClean="0"/>
-              <a:t>2016/11/17</a:t>
+              <a:t>2016/11/18</a:t>
             </a:fld>
             <a:endParaRPr lang="zh-CN" altLang="en-US"/>
           </a:p>
@@ -807,7 +813,7 @@
           <a:p>
             <a:fld id="{9BC7D623-79CF-4C8C-BFDD-8AB8DA94F721}" type="datetimeFigureOut">
               <a:rPr lang="zh-CN" altLang="en-US" smtClean="0"/>
-              <a:t>2016/11/17</a:t>
+              <a:t>2016/11/18</a:t>
             </a:fld>
             <a:endParaRPr lang="zh-CN" altLang="en-US"/>
           </a:p>
@@ -977,7 +983,7 @@
           <a:p>
             <a:fld id="{9BC7D623-79CF-4C8C-BFDD-8AB8DA94F721}" type="datetimeFigureOut">
               <a:rPr lang="zh-CN" altLang="en-US" smtClean="0"/>
-              <a:t>2016/11/17</a:t>
+              <a:t>2016/11/18</a:t>
             </a:fld>
             <a:endParaRPr lang="zh-CN" altLang="en-US"/>
           </a:p>
@@ -1157,7 +1163,7 @@
           <a:p>
             <a:fld id="{9BC7D623-79CF-4C8C-BFDD-8AB8DA94F721}" type="datetimeFigureOut">
               <a:rPr lang="zh-CN" altLang="en-US" smtClean="0"/>
-              <a:t>2016/11/17</a:t>
+              <a:t>2016/11/18</a:t>
             </a:fld>
             <a:endParaRPr lang="zh-CN" altLang="en-US"/>
           </a:p>
@@ -1327,7 +1333,7 @@
           <a:p>
             <a:fld id="{9BC7D623-79CF-4C8C-BFDD-8AB8DA94F721}" type="datetimeFigureOut">
               <a:rPr lang="zh-CN" altLang="en-US" smtClean="0"/>
-              <a:t>2016/11/17</a:t>
+              <a:t>2016/11/18</a:t>
             </a:fld>
             <a:endParaRPr lang="zh-CN" altLang="en-US"/>
           </a:p>
@@ -1573,7 +1579,7 @@
           <a:p>
             <a:fld id="{9BC7D623-79CF-4C8C-BFDD-8AB8DA94F721}" type="datetimeFigureOut">
               <a:rPr lang="zh-CN" altLang="en-US" smtClean="0"/>
-              <a:t>2016/11/17</a:t>
+              <a:t>2016/11/18</a:t>
             </a:fld>
             <a:endParaRPr lang="zh-CN" altLang="en-US"/>
           </a:p>
@@ -1805,7 +1811,7 @@
           <a:p>
             <a:fld id="{9BC7D623-79CF-4C8C-BFDD-8AB8DA94F721}" type="datetimeFigureOut">
               <a:rPr lang="zh-CN" altLang="en-US" smtClean="0"/>
-              <a:t>2016/11/17</a:t>
+              <a:t>2016/11/18</a:t>
             </a:fld>
             <a:endParaRPr lang="zh-CN" altLang="en-US"/>
           </a:p>
@@ -2172,7 +2178,7 @@
           <a:p>
             <a:fld id="{9BC7D623-79CF-4C8C-BFDD-8AB8DA94F721}" type="datetimeFigureOut">
               <a:rPr lang="zh-CN" altLang="en-US" smtClean="0"/>
-              <a:t>2016/11/17</a:t>
+              <a:t>2016/11/18</a:t>
             </a:fld>
             <a:endParaRPr lang="zh-CN" altLang="en-US"/>
           </a:p>
@@ -2290,7 +2296,7 @@
           <a:p>
             <a:fld id="{9BC7D623-79CF-4C8C-BFDD-8AB8DA94F721}" type="datetimeFigureOut">
               <a:rPr lang="zh-CN" altLang="en-US" smtClean="0"/>
-              <a:t>2016/11/17</a:t>
+              <a:t>2016/11/18</a:t>
             </a:fld>
             <a:endParaRPr lang="zh-CN" altLang="en-US"/>
           </a:p>
@@ -2385,7 +2391,7 @@
           <a:p>
             <a:fld id="{9BC7D623-79CF-4C8C-BFDD-8AB8DA94F721}" type="datetimeFigureOut">
               <a:rPr lang="zh-CN" altLang="en-US" smtClean="0"/>
-              <a:t>2016/11/17</a:t>
+              <a:t>2016/11/18</a:t>
             </a:fld>
             <a:endParaRPr lang="zh-CN" altLang="en-US"/>
           </a:p>
@@ -2662,7 +2668,7 @@
           <a:p>
             <a:fld id="{9BC7D623-79CF-4C8C-BFDD-8AB8DA94F721}" type="datetimeFigureOut">
               <a:rPr lang="zh-CN" altLang="en-US" smtClean="0"/>
-              <a:t>2016/11/17</a:t>
+              <a:t>2016/11/18</a:t>
             </a:fld>
             <a:endParaRPr lang="zh-CN" altLang="en-US"/>
           </a:p>
@@ -2915,7 +2921,7 @@
           <a:p>
             <a:fld id="{9BC7D623-79CF-4C8C-BFDD-8AB8DA94F721}" type="datetimeFigureOut">
               <a:rPr lang="zh-CN" altLang="en-US" smtClean="0"/>
-              <a:t>2016/11/17</a:t>
+              <a:t>2016/11/18</a:t>
             </a:fld>
             <a:endParaRPr lang="zh-CN" altLang="en-US"/>
           </a:p>
@@ -3128,7 +3134,7 @@
           <a:p>
             <a:fld id="{9BC7D623-79CF-4C8C-BFDD-8AB8DA94F721}" type="datetimeFigureOut">
               <a:rPr lang="zh-CN" altLang="en-US" smtClean="0"/>
-              <a:t>2016/11/17</a:t>
+              <a:t>2016/11/18</a:t>
             </a:fld>
             <a:endParaRPr lang="zh-CN" altLang="en-US"/>
           </a:p>
@@ -4701,20 +4707,32 @@
           <a:lstStyle/>
           <a:p>
             <a:r>
+              <a:rPr lang="en-US" altLang="zh-CN" sz="5400" dirty="0">
+                <a:latin typeface="方正姚体" panose="02010601030101010101" pitchFamily="2" charset="-122"/>
+                <a:ea typeface="方正姚体" panose="02010601030101010101" pitchFamily="2" charset="-122"/>
+              </a:rPr>
+              <a:t>4</a:t>
+            </a:r>
+            <a:r>
               <a:rPr lang="en-US" altLang="zh-CN" sz="5400" dirty="0" smtClean="0">
-                <a:latin typeface="Times New Roman" panose="02020603050405020304" pitchFamily="18" charset="0"/>
+                <a:latin typeface="方正姚体" panose="02010601030101010101" pitchFamily="2" charset="-122"/>
                 <a:ea typeface="方正姚体" panose="02010601030101010101" pitchFamily="2" charset="-122"/>
-                <a:cs typeface="Times New Roman" panose="02020603050405020304" pitchFamily="18" charset="0"/>
-              </a:rPr>
-              <a:t>Inquisit </a:t>
+              </a:rPr>
+              <a:t>. </a:t>
             </a:r>
             <a:r>
               <a:rPr lang="zh-CN" altLang="en-US" sz="5400" dirty="0" smtClean="0">
-                <a:latin typeface="Times New Roman" panose="02020603050405020304" pitchFamily="18" charset="0"/>
+                <a:latin typeface="方正姚体" panose="02010601030101010101" pitchFamily="2" charset="-122"/>
                 <a:ea typeface="方正姚体" panose="02010601030101010101" pitchFamily="2" charset="-122"/>
-                <a:cs typeface="Times New Roman" panose="02020603050405020304" pitchFamily="18" charset="0"/>
-              </a:rPr>
-              <a:t>能力再升级</a:t>
+              </a:rPr>
+              <a:t>对不对给句话</a:t>
+            </a:r>
+            <a:r>
+              <a:rPr lang="en-US" altLang="zh-CN" sz="5400" dirty="0" smtClean="0">
+                <a:latin typeface="方正姚体" panose="02010601030101010101" pitchFamily="2" charset="-122"/>
+                <a:ea typeface="方正姚体" panose="02010601030101010101" pitchFamily="2" charset="-122"/>
+              </a:rPr>
+              <a:t>~</a:t>
             </a:r>
             <a:endParaRPr lang="zh-CN" altLang="en-US" sz="5400" dirty="0">
               <a:latin typeface="Times New Roman" panose="02020603050405020304" pitchFamily="18" charset="0"/>
@@ -4737,11 +4755,11 @@
         <p:spPr/>
         <p:txBody>
           <a:bodyPr>
-            <a:normAutofit/>
+            <a:normAutofit fontScale="62500" lnSpcReduction="20000"/>
           </a:bodyPr>
           <a:lstStyle/>
           <a:p>
-            <a:pPr>
+            <a:pPr algn="just">
               <a:lnSpc>
                 <a:spcPct val="150000"/>
               </a:lnSpc>
@@ -4753,70 +4771,21 @@
                 <a:latin typeface="仿宋" panose="02010609060101010101" pitchFamily="49" charset="-122"/>
                 <a:ea typeface="仿宋" panose="02010609060101010101" pitchFamily="49" charset="-122"/>
               </a:rPr>
-              <a:t>小作业</a:t>
+              <a:t> 被试在每个</a:t>
+            </a:r>
+            <a:r>
+              <a:rPr lang="en-US" altLang="zh-CN" dirty="0" smtClean="0">
+                <a:latin typeface="仿宋" panose="02010609060101010101" pitchFamily="49" charset="-122"/>
+                <a:ea typeface="仿宋" panose="02010609060101010101" pitchFamily="49" charset="-122"/>
+              </a:rPr>
+              <a:t>trial</a:t>
             </a:r>
             <a:r>
               <a:rPr lang="zh-CN" altLang="en-US" dirty="0" smtClean="0">
                 <a:latin typeface="仿宋" panose="02010609060101010101" pitchFamily="49" charset="-122"/>
                 <a:ea typeface="仿宋" panose="02010609060101010101" pitchFamily="49" charset="-122"/>
               </a:rPr>
-              <a:t>（</a:t>
-            </a:r>
-            <a:r>
-              <a:rPr lang="zh-CN" altLang="en-US" dirty="0">
-                <a:latin typeface="仿宋" panose="02010609060101010101" pitchFamily="49" charset="-122"/>
-                <a:ea typeface="仿宋" panose="02010609060101010101" pitchFamily="49" charset="-122"/>
-              </a:rPr>
-              <a:t>小组</a:t>
-            </a:r>
-            <a:r>
-              <a:rPr lang="zh-CN" altLang="en-US" dirty="0" smtClean="0">
-                <a:latin typeface="仿宋" panose="02010609060101010101" pitchFamily="49" charset="-122"/>
-                <a:ea typeface="仿宋" panose="02010609060101010101" pitchFamily="49" charset="-122"/>
-              </a:rPr>
-              <a:t>完成</a:t>
-            </a:r>
-            <a:r>
-              <a:rPr lang="zh-CN" altLang="en-US" dirty="0" smtClean="0">
-                <a:latin typeface="仿宋" panose="02010609060101010101" pitchFamily="49" charset="-122"/>
-                <a:ea typeface="仿宋" panose="02010609060101010101" pitchFamily="49" charset="-122"/>
-              </a:rPr>
-              <a:t>）</a:t>
-            </a:r>
-            <a:r>
-              <a:rPr lang="zh-CN" altLang="en-US" dirty="0" smtClean="0">
-                <a:latin typeface="仿宋" panose="02010609060101010101" pitchFamily="49" charset="-122"/>
-                <a:ea typeface="仿宋" panose="02010609060101010101" pitchFamily="49" charset="-122"/>
-              </a:rPr>
-              <a:t>：按照我分好的组，六人</a:t>
-            </a:r>
-            <a:r>
-              <a:rPr lang="en-US" altLang="zh-CN" dirty="0" smtClean="0">
-                <a:latin typeface="仿宋" panose="02010609060101010101" pitchFamily="49" charset="-122"/>
-                <a:ea typeface="仿宋" panose="02010609060101010101" pitchFamily="49" charset="-122"/>
-              </a:rPr>
-              <a:t>1</a:t>
-            </a:r>
-            <a:r>
-              <a:rPr lang="zh-CN" altLang="en-US" dirty="0" smtClean="0">
-                <a:latin typeface="仿宋" panose="02010609060101010101" pitchFamily="49" charset="-122"/>
-                <a:ea typeface="仿宋" panose="02010609060101010101" pitchFamily="49" charset="-122"/>
-              </a:rPr>
-              <a:t>组，选出</a:t>
-            </a:r>
-            <a:r>
-              <a:rPr lang="en-US" altLang="zh-CN" dirty="0" smtClean="0">
-                <a:latin typeface="仿宋" panose="02010609060101010101" pitchFamily="49" charset="-122"/>
-                <a:ea typeface="仿宋" panose="02010609060101010101" pitchFamily="49" charset="-122"/>
-              </a:rPr>
-              <a:t>1</a:t>
-            </a:r>
-            <a:r>
-              <a:rPr lang="zh-CN" altLang="en-US" dirty="0" smtClean="0">
-                <a:latin typeface="仿宋" panose="02010609060101010101" pitchFamily="49" charset="-122"/>
-                <a:ea typeface="仿宋" panose="02010609060101010101" pitchFamily="49" charset="-122"/>
-              </a:rPr>
-              <a:t>名组长。</a:t>
+              <a:t>里做了反应，但并不知道是否正确作答了，这个时候就需要给被试一个反馈，告诉他作对了没有！</a:t>
             </a:r>
             <a:endParaRPr lang="en-US" altLang="zh-CN" dirty="0" smtClean="0">
               <a:latin typeface="仿宋" panose="02010609060101010101" pitchFamily="49" charset="-122"/>
@@ -4824,6 +4793,905 @@
             </a:endParaRPr>
           </a:p>
           <a:p>
+            <a:pPr algn="just">
+              <a:lnSpc>
+                <a:spcPct val="150000"/>
+              </a:lnSpc>
+              <a:buFont typeface="Wingdings" panose="05000000000000000000" pitchFamily="2" charset="2"/>
+              <a:buChar char="Ø"/>
+            </a:pPr>
+            <a:r>
+              <a:rPr lang="en-US" altLang="zh-CN" dirty="0">
+                <a:latin typeface="仿宋" panose="02010609060101010101" pitchFamily="49" charset="-122"/>
+                <a:ea typeface="仿宋" panose="02010609060101010101" pitchFamily="49" charset="-122"/>
+              </a:rPr>
+              <a:t>&lt;text correctmsg&gt;</a:t>
+            </a:r>
+          </a:p>
+          <a:p>
+            <a:pPr algn="just">
+              <a:lnSpc>
+                <a:spcPct val="150000"/>
+              </a:lnSpc>
+              <a:buFont typeface="Wingdings" panose="05000000000000000000" pitchFamily="2" charset="2"/>
+              <a:buChar char="Ø"/>
+            </a:pPr>
+            <a:r>
+              <a:rPr lang="en-US" altLang="zh-CN" dirty="0">
+                <a:latin typeface="仿宋" panose="02010609060101010101" pitchFamily="49" charset="-122"/>
+                <a:ea typeface="仿宋" panose="02010609060101010101" pitchFamily="49" charset="-122"/>
+              </a:rPr>
+              <a:t>	/items = correctmsg</a:t>
+            </a:r>
+          </a:p>
+          <a:p>
+            <a:pPr algn="just">
+              <a:lnSpc>
+                <a:spcPct val="150000"/>
+              </a:lnSpc>
+              <a:buFont typeface="Wingdings" panose="05000000000000000000" pitchFamily="2" charset="2"/>
+              <a:buChar char="Ø"/>
+            </a:pPr>
+            <a:r>
+              <a:rPr lang="en-US" altLang="zh-CN" dirty="0">
+                <a:latin typeface="仿宋" panose="02010609060101010101" pitchFamily="49" charset="-122"/>
+                <a:ea typeface="仿宋" panose="02010609060101010101" pitchFamily="49" charset="-122"/>
+              </a:rPr>
+              <a:t>	/select = 1</a:t>
+            </a:r>
+          </a:p>
+          <a:p>
+            <a:pPr algn="just">
+              <a:lnSpc>
+                <a:spcPct val="150000"/>
+              </a:lnSpc>
+              <a:buFont typeface="Wingdings" panose="05000000000000000000" pitchFamily="2" charset="2"/>
+              <a:buChar char="Ø"/>
+            </a:pPr>
+            <a:r>
+              <a:rPr lang="en-US" altLang="zh-CN" dirty="0">
+                <a:latin typeface="仿宋" panose="02010609060101010101" pitchFamily="49" charset="-122"/>
+                <a:ea typeface="仿宋" panose="02010609060101010101" pitchFamily="49" charset="-122"/>
+              </a:rPr>
+              <a:t>	/fontstyle = ("</a:t>
+            </a:r>
+            <a:r>
+              <a:rPr lang="zh-CN" altLang="en-US" dirty="0">
+                <a:latin typeface="仿宋" panose="02010609060101010101" pitchFamily="49" charset="-122"/>
+                <a:ea typeface="仿宋" panose="02010609060101010101" pitchFamily="49" charset="-122"/>
+              </a:rPr>
+              <a:t>楷体</a:t>
+            </a:r>
+            <a:r>
+              <a:rPr lang="en-US" altLang="zh-CN" dirty="0">
+                <a:latin typeface="仿宋" panose="02010609060101010101" pitchFamily="49" charset="-122"/>
+                <a:ea typeface="仿宋" panose="02010609060101010101" pitchFamily="49" charset="-122"/>
+              </a:rPr>
+              <a:t>", 60ptc, false, false, false, false, 5, 1)</a:t>
+            </a:r>
+          </a:p>
+          <a:p>
+            <a:pPr algn="just">
+              <a:lnSpc>
+                <a:spcPct val="150000"/>
+              </a:lnSpc>
+              <a:buFont typeface="Wingdings" panose="05000000000000000000" pitchFamily="2" charset="2"/>
+              <a:buChar char="Ø"/>
+            </a:pPr>
+            <a:r>
+              <a:rPr lang="en-US" altLang="zh-CN" dirty="0">
+                <a:latin typeface="仿宋" panose="02010609060101010101" pitchFamily="49" charset="-122"/>
+                <a:ea typeface="仿宋" panose="02010609060101010101" pitchFamily="49" charset="-122"/>
+              </a:rPr>
+              <a:t>	/txcolor = (255,255,255)</a:t>
+            </a:r>
+          </a:p>
+          <a:p>
+            <a:pPr algn="just">
+              <a:lnSpc>
+                <a:spcPct val="150000"/>
+              </a:lnSpc>
+              <a:buFont typeface="Wingdings" panose="05000000000000000000" pitchFamily="2" charset="2"/>
+              <a:buChar char="Ø"/>
+            </a:pPr>
+            <a:r>
+              <a:rPr lang="en-US" altLang="zh-CN" dirty="0">
+                <a:latin typeface="仿宋" panose="02010609060101010101" pitchFamily="49" charset="-122"/>
+                <a:ea typeface="仿宋" panose="02010609060101010101" pitchFamily="49" charset="-122"/>
+              </a:rPr>
+              <a:t>	/txbgcolor = (0, 0, 0)</a:t>
+            </a:r>
+          </a:p>
+          <a:p>
+            <a:pPr algn="just">
+              <a:lnSpc>
+                <a:spcPct val="150000"/>
+              </a:lnSpc>
+              <a:buFont typeface="Wingdings" panose="05000000000000000000" pitchFamily="2" charset="2"/>
+              <a:buChar char="Ø"/>
+            </a:pPr>
+            <a:r>
+              <a:rPr lang="en-US" altLang="zh-CN" dirty="0">
+                <a:latin typeface="仿宋" panose="02010609060101010101" pitchFamily="49" charset="-122"/>
+                <a:ea typeface="仿宋" panose="02010609060101010101" pitchFamily="49" charset="-122"/>
+              </a:rPr>
+              <a:t>&lt;/text&gt;</a:t>
+            </a:r>
+          </a:p>
+          <a:p>
+            <a:pPr algn="just">
+              <a:lnSpc>
+                <a:spcPct val="150000"/>
+              </a:lnSpc>
+              <a:buFont typeface="Wingdings" panose="05000000000000000000" pitchFamily="2" charset="2"/>
+              <a:buChar char="Ø"/>
+            </a:pPr>
+            <a:endParaRPr lang="en-US" altLang="zh-CN" dirty="0">
+              <a:latin typeface="仿宋" panose="02010609060101010101" pitchFamily="49" charset="-122"/>
+              <a:ea typeface="仿宋" panose="02010609060101010101" pitchFamily="49" charset="-122"/>
+            </a:endParaRPr>
+          </a:p>
+          <a:p>
+            <a:pPr algn="just">
+              <a:lnSpc>
+                <a:spcPct val="150000"/>
+              </a:lnSpc>
+              <a:buFont typeface="Wingdings" panose="05000000000000000000" pitchFamily="2" charset="2"/>
+              <a:buChar char="Ø"/>
+            </a:pPr>
+            <a:endParaRPr lang="en-US" altLang="zh-CN" dirty="0" smtClean="0">
+              <a:latin typeface="仿宋" panose="02010609060101010101" pitchFamily="49" charset="-122"/>
+              <a:ea typeface="仿宋" panose="02010609060101010101" pitchFamily="49" charset="-122"/>
+            </a:endParaRPr>
+          </a:p>
+        </p:txBody>
+      </p:sp>
+    </p:spTree>
+    <p:extLst>
+      <p:ext uri="{BB962C8B-B14F-4D97-AF65-F5344CB8AC3E}">
+        <p14:creationId xmlns:p14="http://schemas.microsoft.com/office/powerpoint/2010/main" val="2078702811"/>
+      </p:ext>
+    </p:extLst>
+  </p:cSld>
+  <p:clrMapOvr>
+    <a:masterClrMapping/>
+  </p:clrMapOvr>
+  <p:timing>
+    <p:tnLst>
+      <p:par>
+        <p:cTn id="1" dur="indefinite" restart="never" nodeType="tmRoot"/>
+      </p:par>
+    </p:tnLst>
+  </p:timing>
+</p:sld>
+</file>
+
+<file path=ppt/slides/slide15.xml><?xml version="1.0" encoding="utf-8"?>
+<p:sld xmlns:a="http://schemas.openxmlformats.org/drawingml/2006/main" xmlns:r="http://schemas.openxmlformats.org/officeDocument/2006/relationships" xmlns:p="http://schemas.openxmlformats.org/presentationml/2006/main">
+  <p:cSld>
+    <p:spTree>
+      <p:nvGrpSpPr>
+        <p:cNvPr id="1" name=""/>
+        <p:cNvGrpSpPr/>
+        <p:nvPr/>
+      </p:nvGrpSpPr>
+      <p:grpSpPr>
+        <a:xfrm>
+          <a:off x="0" y="0"/>
+          <a:ext cx="0" cy="0"/>
+          <a:chOff x="0" y="0"/>
+          <a:chExt cx="0" cy="0"/>
+        </a:xfrm>
+      </p:grpSpPr>
+      <p:sp>
+        <p:nvSpPr>
+          <p:cNvPr id="2" name="标题 1"/>
+          <p:cNvSpPr>
+            <a:spLocks noGrp="1"/>
+          </p:cNvSpPr>
+          <p:nvPr>
+            <p:ph type="title"/>
+          </p:nvPr>
+        </p:nvSpPr>
+        <p:spPr/>
+        <p:txBody>
+          <a:bodyPr>
+            <a:normAutofit/>
+          </a:bodyPr>
+          <a:lstStyle/>
+          <a:p>
+            <a:r>
+              <a:rPr lang="en-US" altLang="zh-CN" sz="5400" dirty="0">
+                <a:latin typeface="方正姚体" panose="02010601030101010101" pitchFamily="2" charset="-122"/>
+                <a:ea typeface="方正姚体" panose="02010601030101010101" pitchFamily="2" charset="-122"/>
+              </a:rPr>
+              <a:t>4</a:t>
+            </a:r>
+            <a:r>
+              <a:rPr lang="en-US" altLang="zh-CN" sz="5400" dirty="0" smtClean="0">
+                <a:latin typeface="方正姚体" panose="02010601030101010101" pitchFamily="2" charset="-122"/>
+                <a:ea typeface="方正姚体" panose="02010601030101010101" pitchFamily="2" charset="-122"/>
+              </a:rPr>
+              <a:t>. </a:t>
+            </a:r>
+            <a:r>
+              <a:rPr lang="zh-CN" altLang="en-US" sz="5400" dirty="0" smtClean="0">
+                <a:latin typeface="方正姚体" panose="02010601030101010101" pitchFamily="2" charset="-122"/>
+                <a:ea typeface="方正姚体" panose="02010601030101010101" pitchFamily="2" charset="-122"/>
+              </a:rPr>
+              <a:t>对不对给句话</a:t>
+            </a:r>
+            <a:r>
+              <a:rPr lang="en-US" altLang="zh-CN" sz="5400" dirty="0" smtClean="0">
+                <a:latin typeface="方正姚体" panose="02010601030101010101" pitchFamily="2" charset="-122"/>
+                <a:ea typeface="方正姚体" panose="02010601030101010101" pitchFamily="2" charset="-122"/>
+              </a:rPr>
+              <a:t>~</a:t>
+            </a:r>
+            <a:endParaRPr lang="zh-CN" altLang="en-US" sz="5400" dirty="0">
+              <a:latin typeface="Times New Roman" panose="02020603050405020304" pitchFamily="18" charset="0"/>
+              <a:ea typeface="方正姚体" panose="02010601030101010101" pitchFamily="2" charset="-122"/>
+              <a:cs typeface="Times New Roman" panose="02020603050405020304" pitchFamily="18" charset="0"/>
+            </a:endParaRPr>
+          </a:p>
+        </p:txBody>
+      </p:sp>
+      <p:sp>
+        <p:nvSpPr>
+          <p:cNvPr id="3" name="内容占位符 2"/>
+          <p:cNvSpPr>
+            <a:spLocks noGrp="1"/>
+          </p:cNvSpPr>
+          <p:nvPr>
+            <p:ph idx="1"/>
+          </p:nvPr>
+        </p:nvSpPr>
+        <p:spPr/>
+        <p:txBody>
+          <a:bodyPr>
+            <a:normAutofit fontScale="55000" lnSpcReduction="20000"/>
+          </a:bodyPr>
+          <a:lstStyle/>
+          <a:p>
+            <a:pPr algn="just">
+              <a:lnSpc>
+                <a:spcPct val="150000"/>
+              </a:lnSpc>
+              <a:buFont typeface="Wingdings" panose="05000000000000000000" pitchFamily="2" charset="2"/>
+              <a:buChar char="Ø"/>
+            </a:pPr>
+            <a:r>
+              <a:rPr lang="zh-CN" altLang="en-US" dirty="0" smtClean="0">
+                <a:latin typeface="仿宋" panose="02010609060101010101" pitchFamily="49" charset="-122"/>
+                <a:ea typeface="仿宋" panose="02010609060101010101" pitchFamily="49" charset="-122"/>
+              </a:rPr>
+              <a:t> 被试在每个</a:t>
+            </a:r>
+            <a:r>
+              <a:rPr lang="en-US" altLang="zh-CN" dirty="0" smtClean="0">
+                <a:latin typeface="仿宋" panose="02010609060101010101" pitchFamily="49" charset="-122"/>
+                <a:ea typeface="仿宋" panose="02010609060101010101" pitchFamily="49" charset="-122"/>
+              </a:rPr>
+              <a:t>trial</a:t>
+            </a:r>
+            <a:r>
+              <a:rPr lang="zh-CN" altLang="en-US" dirty="0" smtClean="0">
+                <a:latin typeface="仿宋" panose="02010609060101010101" pitchFamily="49" charset="-122"/>
+                <a:ea typeface="仿宋" panose="02010609060101010101" pitchFamily="49" charset="-122"/>
+              </a:rPr>
+              <a:t>里做了反应，但并不知道是否正确作答了，这个时候就需要给被试一个反馈，告诉他作对了没有！</a:t>
+            </a:r>
+            <a:endParaRPr lang="en-US" altLang="zh-CN" dirty="0" smtClean="0">
+              <a:latin typeface="仿宋" panose="02010609060101010101" pitchFamily="49" charset="-122"/>
+              <a:ea typeface="仿宋" panose="02010609060101010101" pitchFamily="49" charset="-122"/>
+            </a:endParaRPr>
+          </a:p>
+          <a:p>
+            <a:pPr algn="just">
+              <a:lnSpc>
+                <a:spcPct val="150000"/>
+              </a:lnSpc>
+              <a:buFont typeface="Wingdings" panose="05000000000000000000" pitchFamily="2" charset="2"/>
+              <a:buChar char="Ø"/>
+            </a:pPr>
+            <a:r>
+              <a:rPr lang="en-US" altLang="zh-CN" dirty="0">
+                <a:latin typeface="仿宋" panose="02010609060101010101" pitchFamily="49" charset="-122"/>
+                <a:ea typeface="仿宋" panose="02010609060101010101" pitchFamily="49" charset="-122"/>
+              </a:rPr>
+              <a:t>&lt;trial </a:t>
+            </a:r>
+            <a:r>
+              <a:rPr lang="en-US" altLang="zh-CN" dirty="0" err="1">
+                <a:latin typeface="仿宋" panose="02010609060101010101" pitchFamily="49" charset="-122"/>
+                <a:ea typeface="仿宋" panose="02010609060101010101" pitchFamily="49" charset="-122"/>
+              </a:rPr>
+              <a:t>redsamet</a:t>
+            </a:r>
+            <a:r>
+              <a:rPr lang="en-US" altLang="zh-CN" dirty="0">
+                <a:latin typeface="仿宋" panose="02010609060101010101" pitchFamily="49" charset="-122"/>
+                <a:ea typeface="仿宋" panose="02010609060101010101" pitchFamily="49" charset="-122"/>
+              </a:rPr>
+              <a:t>&gt;</a:t>
+            </a:r>
+          </a:p>
+          <a:p>
+            <a:pPr algn="just">
+              <a:lnSpc>
+                <a:spcPct val="150000"/>
+              </a:lnSpc>
+              <a:buFont typeface="Wingdings" panose="05000000000000000000" pitchFamily="2" charset="2"/>
+              <a:buChar char="Ø"/>
+            </a:pPr>
+            <a:r>
+              <a:rPr lang="en-US" altLang="zh-CN" dirty="0">
+                <a:latin typeface="仿宋" panose="02010609060101010101" pitchFamily="49" charset="-122"/>
+                <a:ea typeface="仿宋" panose="02010609060101010101" pitchFamily="49" charset="-122"/>
+              </a:rPr>
+              <a:t>	/pretrialpause = 500</a:t>
+            </a:r>
+          </a:p>
+          <a:p>
+            <a:pPr algn="just">
+              <a:lnSpc>
+                <a:spcPct val="150000"/>
+              </a:lnSpc>
+              <a:buFont typeface="Wingdings" panose="05000000000000000000" pitchFamily="2" charset="2"/>
+              <a:buChar char="Ø"/>
+            </a:pPr>
+            <a:r>
+              <a:rPr lang="en-US" altLang="zh-CN" dirty="0">
+                <a:latin typeface="仿宋" panose="02010609060101010101" pitchFamily="49" charset="-122"/>
+                <a:ea typeface="仿宋" panose="02010609060101010101" pitchFamily="49" charset="-122"/>
+              </a:rPr>
+              <a:t>	/</a:t>
+            </a:r>
+            <a:r>
+              <a:rPr lang="en-US" altLang="zh-CN" dirty="0" err="1">
+                <a:latin typeface="仿宋" panose="02010609060101010101" pitchFamily="49" charset="-122"/>
+                <a:ea typeface="仿宋" panose="02010609060101010101" pitchFamily="49" charset="-122"/>
+              </a:rPr>
+              <a:t>correctmessage</a:t>
+            </a:r>
+            <a:r>
+              <a:rPr lang="en-US" altLang="zh-CN" dirty="0">
+                <a:latin typeface="仿宋" panose="02010609060101010101" pitchFamily="49" charset="-122"/>
+                <a:ea typeface="仿宋" panose="02010609060101010101" pitchFamily="49" charset="-122"/>
+              </a:rPr>
+              <a:t> = (correctmsg,500)</a:t>
+            </a:r>
+          </a:p>
+          <a:p>
+            <a:pPr algn="just">
+              <a:lnSpc>
+                <a:spcPct val="150000"/>
+              </a:lnSpc>
+              <a:buFont typeface="Wingdings" panose="05000000000000000000" pitchFamily="2" charset="2"/>
+              <a:buChar char="Ø"/>
+            </a:pPr>
+            <a:r>
+              <a:rPr lang="en-US" altLang="zh-CN" dirty="0">
+                <a:latin typeface="仿宋" panose="02010609060101010101" pitchFamily="49" charset="-122"/>
+                <a:ea typeface="仿宋" panose="02010609060101010101" pitchFamily="49" charset="-122"/>
+              </a:rPr>
+              <a:t>	/</a:t>
+            </a:r>
+            <a:r>
+              <a:rPr lang="en-US" altLang="zh-CN" dirty="0" err="1">
+                <a:latin typeface="仿宋" panose="02010609060101010101" pitchFamily="49" charset="-122"/>
+                <a:ea typeface="仿宋" panose="02010609060101010101" pitchFamily="49" charset="-122"/>
+              </a:rPr>
+              <a:t>errormessage</a:t>
+            </a:r>
+            <a:r>
+              <a:rPr lang="en-US" altLang="zh-CN" dirty="0">
+                <a:latin typeface="仿宋" panose="02010609060101010101" pitchFamily="49" charset="-122"/>
+                <a:ea typeface="仿宋" panose="02010609060101010101" pitchFamily="49" charset="-122"/>
+              </a:rPr>
+              <a:t> = (errormsg,500)</a:t>
+            </a:r>
+          </a:p>
+          <a:p>
+            <a:pPr algn="just">
+              <a:lnSpc>
+                <a:spcPct val="150000"/>
+              </a:lnSpc>
+              <a:buFont typeface="Wingdings" panose="05000000000000000000" pitchFamily="2" charset="2"/>
+              <a:buChar char="Ø"/>
+            </a:pPr>
+            <a:r>
+              <a:rPr lang="en-US" altLang="zh-CN" dirty="0">
+                <a:latin typeface="仿宋" panose="02010609060101010101" pitchFamily="49" charset="-122"/>
+                <a:ea typeface="仿宋" panose="02010609060101010101" pitchFamily="49" charset="-122"/>
+              </a:rPr>
+              <a:t>	/validresponse = ("F","J")</a:t>
+            </a:r>
+          </a:p>
+          <a:p>
+            <a:pPr algn="just">
+              <a:lnSpc>
+                <a:spcPct val="150000"/>
+              </a:lnSpc>
+              <a:buFont typeface="Wingdings" panose="05000000000000000000" pitchFamily="2" charset="2"/>
+              <a:buChar char="Ø"/>
+            </a:pPr>
+            <a:r>
+              <a:rPr lang="en-US" altLang="zh-CN" dirty="0">
+                <a:latin typeface="仿宋" panose="02010609060101010101" pitchFamily="49" charset="-122"/>
+                <a:ea typeface="仿宋" panose="02010609060101010101" pitchFamily="49" charset="-122"/>
+              </a:rPr>
+              <a:t>	/correctresponse = ("F")</a:t>
+            </a:r>
+          </a:p>
+          <a:p>
+            <a:pPr algn="just">
+              <a:lnSpc>
+                <a:spcPct val="150000"/>
+              </a:lnSpc>
+              <a:buFont typeface="Wingdings" panose="05000000000000000000" pitchFamily="2" charset="2"/>
+              <a:buChar char="Ø"/>
+            </a:pPr>
+            <a:r>
+              <a:rPr lang="en-US" altLang="zh-CN" dirty="0">
+                <a:latin typeface="仿宋" panose="02010609060101010101" pitchFamily="49" charset="-122"/>
+                <a:ea typeface="仿宋" panose="02010609060101010101" pitchFamily="49" charset="-122"/>
+              </a:rPr>
+              <a:t>	/stimulustimes = [1=fixation;200=redsame]</a:t>
+            </a:r>
+          </a:p>
+          <a:p>
+            <a:pPr algn="just">
+              <a:lnSpc>
+                <a:spcPct val="150000"/>
+              </a:lnSpc>
+              <a:buFont typeface="Wingdings" panose="05000000000000000000" pitchFamily="2" charset="2"/>
+              <a:buChar char="Ø"/>
+            </a:pPr>
+            <a:r>
+              <a:rPr lang="en-US" altLang="zh-CN" dirty="0">
+                <a:latin typeface="仿宋" panose="02010609060101010101" pitchFamily="49" charset="-122"/>
+                <a:ea typeface="仿宋" panose="02010609060101010101" pitchFamily="49" charset="-122"/>
+              </a:rPr>
+              <a:t>&lt;/trial</a:t>
+            </a:r>
+            <a:r>
+              <a:rPr lang="en-US" altLang="zh-CN" dirty="0" smtClean="0">
+                <a:latin typeface="仿宋" panose="02010609060101010101" pitchFamily="49" charset="-122"/>
+                <a:ea typeface="仿宋" panose="02010609060101010101" pitchFamily="49" charset="-122"/>
+              </a:rPr>
+              <a:t>&gt;</a:t>
+            </a:r>
+            <a:endParaRPr lang="en-US" altLang="zh-CN" dirty="0">
+              <a:latin typeface="仿宋" panose="02010609060101010101" pitchFamily="49" charset="-122"/>
+              <a:ea typeface="仿宋" panose="02010609060101010101" pitchFamily="49" charset="-122"/>
+            </a:endParaRPr>
+          </a:p>
+        </p:txBody>
+      </p:sp>
+    </p:spTree>
+    <p:extLst>
+      <p:ext uri="{BB962C8B-B14F-4D97-AF65-F5344CB8AC3E}">
+        <p14:creationId xmlns:p14="http://schemas.microsoft.com/office/powerpoint/2010/main" val="1514414455"/>
+      </p:ext>
+    </p:extLst>
+  </p:cSld>
+  <p:clrMapOvr>
+    <a:masterClrMapping/>
+  </p:clrMapOvr>
+  <p:timing>
+    <p:tnLst>
+      <p:par>
+        <p:cTn id="1" dur="indefinite" restart="never" nodeType="tmRoot"/>
+      </p:par>
+    </p:tnLst>
+  </p:timing>
+</p:sld>
+</file>
+
+<file path=ppt/slides/slide16.xml><?xml version="1.0" encoding="utf-8"?>
+<p:sld xmlns:a="http://schemas.openxmlformats.org/drawingml/2006/main" xmlns:r="http://schemas.openxmlformats.org/officeDocument/2006/relationships" xmlns:p="http://schemas.openxmlformats.org/presentationml/2006/main">
+  <p:cSld>
+    <p:spTree>
+      <p:nvGrpSpPr>
+        <p:cNvPr id="1" name=""/>
+        <p:cNvGrpSpPr/>
+        <p:nvPr/>
+      </p:nvGrpSpPr>
+      <p:grpSpPr>
+        <a:xfrm>
+          <a:off x="0" y="0"/>
+          <a:ext cx="0" cy="0"/>
+          <a:chOff x="0" y="0"/>
+          <a:chExt cx="0" cy="0"/>
+        </a:xfrm>
+      </p:grpSpPr>
+      <p:sp>
+        <p:nvSpPr>
+          <p:cNvPr id="2" name="标题 1"/>
+          <p:cNvSpPr>
+            <a:spLocks noGrp="1"/>
+          </p:cNvSpPr>
+          <p:nvPr>
+            <p:ph type="title"/>
+          </p:nvPr>
+        </p:nvSpPr>
+        <p:spPr/>
+        <p:txBody>
+          <a:bodyPr>
+            <a:normAutofit/>
+          </a:bodyPr>
+          <a:lstStyle/>
+          <a:p>
+            <a:r>
+              <a:rPr lang="en-US" altLang="zh-CN" sz="5400" dirty="0">
+                <a:latin typeface="方正姚体" panose="02010601030101010101" pitchFamily="2" charset="-122"/>
+                <a:ea typeface="方正姚体" panose="02010601030101010101" pitchFamily="2" charset="-122"/>
+              </a:rPr>
+              <a:t>4</a:t>
+            </a:r>
+            <a:r>
+              <a:rPr lang="en-US" altLang="zh-CN" sz="5400" dirty="0" smtClean="0">
+                <a:latin typeface="方正姚体" panose="02010601030101010101" pitchFamily="2" charset="-122"/>
+                <a:ea typeface="方正姚体" panose="02010601030101010101" pitchFamily="2" charset="-122"/>
+              </a:rPr>
+              <a:t>. </a:t>
+            </a:r>
+            <a:r>
+              <a:rPr lang="zh-CN" altLang="en-US" sz="5400" dirty="0" smtClean="0">
+                <a:latin typeface="方正姚体" panose="02010601030101010101" pitchFamily="2" charset="-122"/>
+                <a:ea typeface="方正姚体" panose="02010601030101010101" pitchFamily="2" charset="-122"/>
+              </a:rPr>
+              <a:t>指导语要漂亮</a:t>
+            </a:r>
+            <a:r>
+              <a:rPr lang="en-US" altLang="zh-CN" sz="5400" dirty="0" smtClean="0">
+                <a:latin typeface="方正姚体" panose="02010601030101010101" pitchFamily="2" charset="-122"/>
+                <a:ea typeface="方正姚体" panose="02010601030101010101" pitchFamily="2" charset="-122"/>
+              </a:rPr>
+              <a:t>~</a:t>
+            </a:r>
+            <a:endParaRPr lang="zh-CN" altLang="en-US" sz="5400" dirty="0">
+              <a:latin typeface="Times New Roman" panose="02020603050405020304" pitchFamily="18" charset="0"/>
+              <a:ea typeface="方正姚体" panose="02010601030101010101" pitchFamily="2" charset="-122"/>
+              <a:cs typeface="Times New Roman" panose="02020603050405020304" pitchFamily="18" charset="0"/>
+            </a:endParaRPr>
+          </a:p>
+        </p:txBody>
+      </p:sp>
+      <p:sp>
+        <p:nvSpPr>
+          <p:cNvPr id="3" name="内容占位符 2"/>
+          <p:cNvSpPr>
+            <a:spLocks noGrp="1"/>
+          </p:cNvSpPr>
+          <p:nvPr>
+            <p:ph idx="1"/>
+          </p:nvPr>
+        </p:nvSpPr>
+        <p:spPr/>
+        <p:txBody>
+          <a:bodyPr>
+            <a:normAutofit lnSpcReduction="10000"/>
+          </a:bodyPr>
+          <a:lstStyle/>
+          <a:p>
+            <a:pPr algn="just">
+              <a:lnSpc>
+                <a:spcPct val="150000"/>
+              </a:lnSpc>
+              <a:buFont typeface="Wingdings" panose="05000000000000000000" pitchFamily="2" charset="2"/>
+              <a:buChar char="Ø"/>
+            </a:pPr>
+            <a:r>
+              <a:rPr lang="zh-CN" altLang="en-US" dirty="0" smtClean="0">
+                <a:latin typeface="仿宋" panose="02010609060101010101" pitchFamily="49" charset="-122"/>
+                <a:ea typeface="仿宋" panose="02010609060101010101" pitchFamily="49" charset="-122"/>
+              </a:rPr>
+              <a:t>指导语的几种编制方法：</a:t>
+            </a:r>
+            <a:endParaRPr lang="en-US" altLang="zh-CN" dirty="0" smtClean="0">
+              <a:latin typeface="仿宋" panose="02010609060101010101" pitchFamily="49" charset="-122"/>
+              <a:ea typeface="仿宋" panose="02010609060101010101" pitchFamily="49" charset="-122"/>
+            </a:endParaRPr>
+          </a:p>
+          <a:p>
+            <a:pPr marL="514350" indent="-514350" algn="just">
+              <a:lnSpc>
+                <a:spcPct val="150000"/>
+              </a:lnSpc>
+              <a:buAutoNum type="arabicPeriod"/>
+            </a:pPr>
+            <a:r>
+              <a:rPr lang="zh-CN" altLang="en-US" dirty="0" smtClean="0">
+                <a:latin typeface="仿宋" panose="02010609060101010101" pitchFamily="49" charset="-122"/>
+                <a:ea typeface="仿宋" panose="02010609060101010101" pitchFamily="49" charset="-122"/>
+              </a:rPr>
+              <a:t>采用默认的</a:t>
+            </a:r>
+            <a:r>
+              <a:rPr lang="en-US" altLang="zh-CN" dirty="0" smtClean="0">
+                <a:latin typeface="仿宋" panose="02010609060101010101" pitchFamily="49" charset="-122"/>
+                <a:ea typeface="仿宋" panose="02010609060101010101" pitchFamily="49" charset="-122"/>
+              </a:rPr>
+              <a:t>&lt;instruct&gt;</a:t>
+            </a:r>
+            <a:r>
+              <a:rPr lang="en-US" altLang="zh-CN" dirty="0">
+                <a:latin typeface="仿宋" panose="02010609060101010101" pitchFamily="49" charset="-122"/>
+                <a:ea typeface="仿宋" panose="02010609060101010101" pitchFamily="49" charset="-122"/>
+              </a:rPr>
+              <a:t> </a:t>
+            </a:r>
+            <a:r>
+              <a:rPr lang="en-US" altLang="zh-CN" dirty="0" smtClean="0">
+                <a:latin typeface="仿宋" panose="02010609060101010101" pitchFamily="49" charset="-122"/>
+                <a:ea typeface="仿宋" panose="02010609060101010101" pitchFamily="49" charset="-122"/>
+              </a:rPr>
+              <a:t>&lt;/instruct&gt;</a:t>
+            </a:r>
+            <a:r>
+              <a:rPr lang="zh-CN" altLang="en-US" dirty="0" smtClean="0">
+                <a:latin typeface="仿宋" panose="02010609060101010101" pitchFamily="49" charset="-122"/>
+                <a:ea typeface="仿宋" panose="02010609060101010101" pitchFamily="49" charset="-122"/>
+              </a:rPr>
+              <a:t>标识符</a:t>
+            </a:r>
+            <a:endParaRPr lang="en-US" altLang="zh-CN" dirty="0" smtClean="0">
+              <a:latin typeface="仿宋" panose="02010609060101010101" pitchFamily="49" charset="-122"/>
+              <a:ea typeface="仿宋" panose="02010609060101010101" pitchFamily="49" charset="-122"/>
+            </a:endParaRPr>
+          </a:p>
+          <a:p>
+            <a:pPr marL="514350" indent="-514350" algn="just">
+              <a:lnSpc>
+                <a:spcPct val="150000"/>
+              </a:lnSpc>
+              <a:buAutoNum type="arabicPeriod"/>
+            </a:pPr>
+            <a:r>
+              <a:rPr lang="zh-CN" altLang="en-US" dirty="0" smtClean="0">
+                <a:latin typeface="仿宋" panose="02010609060101010101" pitchFamily="49" charset="-122"/>
+                <a:ea typeface="仿宋" panose="02010609060101010101" pitchFamily="49" charset="-122"/>
+              </a:rPr>
+              <a:t>采用我们之前使用的自定义工具（提示：多个刺激同时呈现，每个刺激单独定义）</a:t>
+            </a:r>
+            <a:endParaRPr lang="en-US" altLang="zh-CN" dirty="0" smtClean="0">
+              <a:latin typeface="仿宋" panose="02010609060101010101" pitchFamily="49" charset="-122"/>
+              <a:ea typeface="仿宋" panose="02010609060101010101" pitchFamily="49" charset="-122"/>
+            </a:endParaRPr>
+          </a:p>
+          <a:p>
+            <a:pPr marL="514350" indent="-514350" algn="just">
+              <a:lnSpc>
+                <a:spcPct val="150000"/>
+              </a:lnSpc>
+              <a:buAutoNum type="arabicPeriod"/>
+            </a:pPr>
+            <a:r>
+              <a:rPr lang="zh-CN" altLang="en-US" dirty="0" smtClean="0">
+                <a:latin typeface="仿宋" panose="02010609060101010101" pitchFamily="49" charset="-122"/>
+                <a:ea typeface="仿宋" panose="02010609060101010101" pitchFamily="49" charset="-122"/>
+              </a:rPr>
+              <a:t>采用图片指导语（先制作图片，然后生成一个单独的</a:t>
+            </a:r>
+            <a:r>
+              <a:rPr lang="en-US" altLang="zh-CN" dirty="0" smtClean="0">
+                <a:latin typeface="仿宋" panose="02010609060101010101" pitchFamily="49" charset="-122"/>
+                <a:ea typeface="仿宋" panose="02010609060101010101" pitchFamily="49" charset="-122"/>
+              </a:rPr>
+              <a:t>Block</a:t>
+            </a:r>
+            <a:r>
+              <a:rPr lang="zh-CN" altLang="en-US" dirty="0" smtClean="0">
+                <a:latin typeface="仿宋" panose="02010609060101010101" pitchFamily="49" charset="-122"/>
+                <a:ea typeface="仿宋" panose="02010609060101010101" pitchFamily="49" charset="-122"/>
+              </a:rPr>
+              <a:t>）</a:t>
+            </a:r>
+            <a:endParaRPr lang="en-US" altLang="zh-CN" dirty="0" smtClean="0">
+              <a:latin typeface="仿宋" panose="02010609060101010101" pitchFamily="49" charset="-122"/>
+              <a:ea typeface="仿宋" panose="02010609060101010101" pitchFamily="49" charset="-122"/>
+            </a:endParaRPr>
+          </a:p>
+          <a:p>
+            <a:pPr marL="514350" indent="-514350" algn="just">
+              <a:lnSpc>
+                <a:spcPct val="150000"/>
+              </a:lnSpc>
+              <a:buAutoNum type="arabicPeriod"/>
+            </a:pPr>
+            <a:r>
+              <a:rPr lang="zh-CN" altLang="en-US" dirty="0">
+                <a:latin typeface="仿宋" panose="02010609060101010101" pitchFamily="49" charset="-122"/>
+                <a:ea typeface="仿宋" panose="02010609060101010101" pitchFamily="49" charset="-122"/>
+              </a:rPr>
+              <a:t>采用</a:t>
+            </a:r>
+            <a:r>
+              <a:rPr lang="zh-CN" altLang="en-US" dirty="0" smtClean="0">
+                <a:latin typeface="仿宋" panose="02010609060101010101" pitchFamily="49" charset="-122"/>
+                <a:ea typeface="仿宋" panose="02010609060101010101" pitchFamily="49" charset="-122"/>
+              </a:rPr>
+              <a:t>网页型指导语 </a:t>
+            </a:r>
+            <a:r>
+              <a:rPr lang="en-US" altLang="zh-CN" dirty="0" smtClean="0">
+                <a:latin typeface="仿宋" panose="02010609060101010101" pitchFamily="49" charset="-122"/>
+                <a:ea typeface="仿宋" panose="02010609060101010101" pitchFamily="49" charset="-122"/>
+              </a:rPr>
+              <a:t>(</a:t>
+            </a:r>
+            <a:r>
+              <a:rPr lang="zh-CN" altLang="en-US" dirty="0" smtClean="0">
+                <a:latin typeface="仿宋" panose="02010609060101010101" pitchFamily="49" charset="-122"/>
+                <a:ea typeface="仿宋" panose="02010609060101010101" pitchFamily="49" charset="-122"/>
+              </a:rPr>
+              <a:t>有余力的同学可以搞一下</a:t>
+            </a:r>
+            <a:r>
+              <a:rPr lang="en-US" altLang="zh-CN" dirty="0" smtClean="0">
+                <a:latin typeface="仿宋" panose="02010609060101010101" pitchFamily="49" charset="-122"/>
+                <a:ea typeface="仿宋" panose="02010609060101010101" pitchFamily="49" charset="-122"/>
+              </a:rPr>
+              <a:t>)</a:t>
+            </a:r>
+            <a:endParaRPr lang="en-US" altLang="zh-CN" dirty="0">
+              <a:latin typeface="仿宋" panose="02010609060101010101" pitchFamily="49" charset="-122"/>
+              <a:ea typeface="仿宋" panose="02010609060101010101" pitchFamily="49" charset="-122"/>
+            </a:endParaRPr>
+          </a:p>
+        </p:txBody>
+      </p:sp>
+    </p:spTree>
+    <p:extLst>
+      <p:ext uri="{BB962C8B-B14F-4D97-AF65-F5344CB8AC3E}">
+        <p14:creationId xmlns:p14="http://schemas.microsoft.com/office/powerpoint/2010/main" val="3559529564"/>
+      </p:ext>
+    </p:extLst>
+  </p:cSld>
+  <p:clrMapOvr>
+    <a:masterClrMapping/>
+  </p:clrMapOvr>
+  <p:timing>
+    <p:tnLst>
+      <p:par>
+        <p:cTn id="1" dur="indefinite" restart="never" nodeType="tmRoot"/>
+      </p:par>
+    </p:tnLst>
+  </p:timing>
+</p:sld>
+</file>
+
+<file path=ppt/slides/slide17.xml><?xml version="1.0" encoding="utf-8"?>
+<p:sld xmlns:a="http://schemas.openxmlformats.org/drawingml/2006/main" xmlns:r="http://schemas.openxmlformats.org/officeDocument/2006/relationships" xmlns:p="http://schemas.openxmlformats.org/presentationml/2006/main">
+  <p:cSld>
+    <p:spTree>
+      <p:nvGrpSpPr>
+        <p:cNvPr id="1" name=""/>
+        <p:cNvGrpSpPr/>
+        <p:nvPr/>
+      </p:nvGrpSpPr>
+      <p:grpSpPr>
+        <a:xfrm>
+          <a:off x="0" y="0"/>
+          <a:ext cx="0" cy="0"/>
+          <a:chOff x="0" y="0"/>
+          <a:chExt cx="0" cy="0"/>
+        </a:xfrm>
+      </p:grpSpPr>
+      <p:sp>
+        <p:nvSpPr>
+          <p:cNvPr id="2" name="标题 1"/>
+          <p:cNvSpPr>
+            <a:spLocks noGrp="1"/>
+          </p:cNvSpPr>
+          <p:nvPr>
+            <p:ph type="title"/>
+          </p:nvPr>
+        </p:nvSpPr>
+        <p:spPr/>
+        <p:txBody>
+          <a:bodyPr>
+            <a:normAutofit/>
+          </a:bodyPr>
+          <a:lstStyle/>
+          <a:p>
+            <a:r>
+              <a:rPr lang="zh-CN" altLang="en-US" sz="5400" dirty="0" smtClean="0">
+                <a:latin typeface="Times New Roman" panose="02020603050405020304" pitchFamily="18" charset="0"/>
+                <a:ea typeface="方正姚体" panose="02010601030101010101" pitchFamily="2" charset="-122"/>
+                <a:cs typeface="Times New Roman" panose="02020603050405020304" pitchFamily="18" charset="0"/>
+              </a:rPr>
+              <a:t>这周的任务</a:t>
+            </a:r>
+            <a:endParaRPr lang="zh-CN" altLang="en-US" sz="5400" dirty="0">
+              <a:latin typeface="Times New Roman" panose="02020603050405020304" pitchFamily="18" charset="0"/>
+              <a:ea typeface="方正姚体" panose="02010601030101010101" pitchFamily="2" charset="-122"/>
+              <a:cs typeface="Times New Roman" panose="02020603050405020304" pitchFamily="18" charset="0"/>
+            </a:endParaRPr>
+          </a:p>
+        </p:txBody>
+      </p:sp>
+      <p:sp>
+        <p:nvSpPr>
+          <p:cNvPr id="3" name="内容占位符 2"/>
+          <p:cNvSpPr>
+            <a:spLocks noGrp="1"/>
+          </p:cNvSpPr>
+          <p:nvPr>
+            <p:ph idx="1"/>
+          </p:nvPr>
+        </p:nvSpPr>
+        <p:spPr/>
+        <p:txBody>
+          <a:bodyPr>
+            <a:normAutofit fontScale="85000" lnSpcReduction="10000"/>
+          </a:bodyPr>
+          <a:lstStyle/>
+          <a:p>
+            <a:pPr>
+              <a:lnSpc>
+                <a:spcPct val="150000"/>
+              </a:lnSpc>
+              <a:buFont typeface="Wingdings" panose="05000000000000000000" pitchFamily="2" charset="2"/>
+              <a:buChar char="Ø"/>
+            </a:pPr>
+            <a:r>
+              <a:rPr lang="zh-CN" altLang="en-US" dirty="0" smtClean="0">
+                <a:latin typeface="仿宋" panose="02010609060101010101" pitchFamily="49" charset="-122"/>
+                <a:ea typeface="仿宋" panose="02010609060101010101" pitchFamily="49" charset="-122"/>
+              </a:rPr>
+              <a:t>小作业（</a:t>
+            </a:r>
+            <a:r>
+              <a:rPr lang="zh-CN" altLang="en-US" dirty="0">
+                <a:latin typeface="仿宋" panose="02010609060101010101" pitchFamily="49" charset="-122"/>
+                <a:ea typeface="仿宋" panose="02010609060101010101" pitchFamily="49" charset="-122"/>
+              </a:rPr>
+              <a:t>小组</a:t>
+            </a:r>
+            <a:r>
+              <a:rPr lang="zh-CN" altLang="en-US" dirty="0" smtClean="0">
+                <a:latin typeface="仿宋" panose="02010609060101010101" pitchFamily="49" charset="-122"/>
+                <a:ea typeface="仿宋" panose="02010609060101010101" pitchFamily="49" charset="-122"/>
+              </a:rPr>
+              <a:t>完成）：按照我分好的组，六人</a:t>
+            </a:r>
+            <a:r>
+              <a:rPr lang="en-US" altLang="zh-CN" dirty="0" smtClean="0">
+                <a:latin typeface="仿宋" panose="02010609060101010101" pitchFamily="49" charset="-122"/>
+                <a:ea typeface="仿宋" panose="02010609060101010101" pitchFamily="49" charset="-122"/>
+              </a:rPr>
+              <a:t>1</a:t>
+            </a:r>
+            <a:r>
+              <a:rPr lang="zh-CN" altLang="en-US" dirty="0" smtClean="0">
+                <a:latin typeface="仿宋" panose="02010609060101010101" pitchFamily="49" charset="-122"/>
+                <a:ea typeface="仿宋" panose="02010609060101010101" pitchFamily="49" charset="-122"/>
+              </a:rPr>
+              <a:t>组，选出</a:t>
+            </a:r>
+            <a:r>
+              <a:rPr lang="en-US" altLang="zh-CN" dirty="0" smtClean="0">
+                <a:latin typeface="仿宋" panose="02010609060101010101" pitchFamily="49" charset="-122"/>
+                <a:ea typeface="仿宋" panose="02010609060101010101" pitchFamily="49" charset="-122"/>
+              </a:rPr>
+              <a:t>1</a:t>
+            </a:r>
+            <a:r>
+              <a:rPr lang="zh-CN" altLang="en-US" dirty="0" smtClean="0">
+                <a:latin typeface="仿宋" panose="02010609060101010101" pitchFamily="49" charset="-122"/>
+                <a:ea typeface="仿宋" panose="02010609060101010101" pitchFamily="49" charset="-122"/>
+              </a:rPr>
+              <a:t>名组长。</a:t>
+            </a:r>
+            <a:endParaRPr lang="en-US" altLang="zh-CN" dirty="0" smtClean="0">
+              <a:latin typeface="仿宋" panose="02010609060101010101" pitchFamily="49" charset="-122"/>
+              <a:ea typeface="仿宋" panose="02010609060101010101" pitchFamily="49" charset="-122"/>
+            </a:endParaRPr>
+          </a:p>
+          <a:p>
             <a:pPr>
               <a:lnSpc>
                 <a:spcPct val="150000"/>
@@ -4843,7 +5711,7 @@
                 <a:latin typeface="仿宋" panose="02010609060101010101" pitchFamily="49" charset="-122"/>
                 <a:ea typeface="仿宋" panose="02010609060101010101" pitchFamily="49" charset="-122"/>
               </a:rPr>
-              <a:t>Github</a:t>
+              <a:t>GitHub</a:t>
             </a:r>
             <a:r>
               <a:rPr lang="zh-CN" altLang="en-US" sz="2400" dirty="0" smtClean="0">
@@ -4864,7 +5732,49 @@
                 <a:latin typeface="仿宋" panose="02010609060101010101" pitchFamily="49" charset="-122"/>
                 <a:ea typeface="仿宋" panose="02010609060101010101" pitchFamily="49" charset="-122"/>
               </a:rPr>
-              <a:t>我建立的文档中添加相关项目信息（格式如示例，记得要</a:t>
+              <a:t>我建立的文档中添加相关项目</a:t>
+            </a:r>
+            <a:r>
+              <a:rPr lang="zh-CN" altLang="en-US" sz="2400" dirty="0" smtClean="0">
+                <a:latin typeface="仿宋" panose="02010609060101010101" pitchFamily="49" charset="-122"/>
+                <a:ea typeface="仿宋" panose="02010609060101010101" pitchFamily="49" charset="-122"/>
+              </a:rPr>
+              <a:t>信息，同时将你们选定的文献资料放在你们创建的</a:t>
+            </a:r>
+            <a:r>
+              <a:rPr lang="en-US" altLang="zh-CN" sz="2400" dirty="0" smtClean="0">
+                <a:latin typeface="仿宋" panose="02010609060101010101" pitchFamily="49" charset="-122"/>
+                <a:ea typeface="仿宋" panose="02010609060101010101" pitchFamily="49" charset="-122"/>
+              </a:rPr>
+              <a:t>GitHub</a:t>
+            </a:r>
+            <a:r>
+              <a:rPr lang="zh-CN" altLang="en-US" sz="2400" dirty="0" smtClean="0">
+                <a:latin typeface="仿宋" panose="02010609060101010101" pitchFamily="49" charset="-122"/>
+                <a:ea typeface="仿宋" panose="02010609060101010101" pitchFamily="49" charset="-122"/>
+              </a:rPr>
+              <a:t>项目中，写一个</a:t>
+            </a:r>
+            <a:r>
+              <a:rPr lang="en-US" altLang="zh-CN" sz="2400" dirty="0" smtClean="0">
+                <a:latin typeface="仿宋" panose="02010609060101010101" pitchFamily="49" charset="-122"/>
+                <a:ea typeface="仿宋" panose="02010609060101010101" pitchFamily="49" charset="-122"/>
+              </a:rPr>
+              <a:t>MD</a:t>
+            </a:r>
+            <a:r>
+              <a:rPr lang="zh-CN" altLang="en-US" sz="2400" dirty="0" smtClean="0">
+                <a:latin typeface="仿宋" panose="02010609060101010101" pitchFamily="49" charset="-122"/>
+                <a:ea typeface="仿宋" panose="02010609060101010101" pitchFamily="49" charset="-122"/>
+              </a:rPr>
+              <a:t>文件，说明你们选定的文献要做什么编程任务（</a:t>
+            </a:r>
+            <a:r>
+              <a:rPr lang="zh-CN" altLang="en-US" sz="2400" dirty="0" smtClean="0">
+                <a:latin typeface="仿宋" panose="02010609060101010101" pitchFamily="49" charset="-122"/>
+                <a:ea typeface="仿宋" panose="02010609060101010101" pitchFamily="49" charset="-122"/>
+              </a:rPr>
+              <a:t>格式如示例，记得要</a:t>
             </a:r>
             <a:r>
               <a:rPr lang="en-US" altLang="zh-CN" sz="2400" dirty="0" smtClean="0">
@@ -4898,21 +5808,106 @@
                 <a:latin typeface="仿宋" panose="02010609060101010101" pitchFamily="49" charset="-122"/>
                 <a:ea typeface="仿宋" panose="02010609060101010101" pitchFamily="49" charset="-122"/>
               </a:rPr>
-              <a:t>小作业（个人完成）：</a:t>
-            </a:r>
-            <a:endParaRPr lang="en-US" altLang="zh-CN" dirty="0" smtClean="0">
-              <a:latin typeface="仿宋" panose="02010609060101010101" pitchFamily="49" charset="-122"/>
-              <a:ea typeface="仿宋" panose="02010609060101010101" pitchFamily="49" charset="-122"/>
-            </a:endParaRPr>
-          </a:p>
-          <a:p>
-            <a:pPr>
-              <a:lnSpc>
-                <a:spcPct val="150000"/>
-              </a:lnSpc>
-              <a:buFont typeface="Wingdings" panose="05000000000000000000" pitchFamily="2" charset="2"/>
-              <a:buChar char="l"/>
-            </a:pPr>
+              <a:t>小作业（个人完成）</a:t>
+            </a:r>
+            <a:r>
+              <a:rPr lang="zh-CN" altLang="en-US" dirty="0" smtClean="0">
+                <a:latin typeface="仿宋" panose="02010609060101010101" pitchFamily="49" charset="-122"/>
+                <a:ea typeface="仿宋" panose="02010609060101010101" pitchFamily="49" charset="-122"/>
+              </a:rPr>
+              <a:t>：编制一个实验程序，只包含漂亮的指导语和结束语（越漂亮越好），方式不限，必须能够运行，以</a:t>
+            </a:r>
+            <a:r>
+              <a:rPr lang="en-US" altLang="zh-CN" dirty="0" smtClean="0">
+                <a:latin typeface="仿宋" panose="02010609060101010101" pitchFamily="49" charset="-122"/>
+                <a:ea typeface="仿宋" panose="02010609060101010101" pitchFamily="49" charset="-122"/>
+              </a:rPr>
+              <a:t>.</a:t>
+            </a:r>
+            <a:r>
+              <a:rPr lang="en-US" altLang="zh-CN" dirty="0" err="1" smtClean="0">
+                <a:latin typeface="仿宋" panose="02010609060101010101" pitchFamily="49" charset="-122"/>
+                <a:ea typeface="仿宋" panose="02010609060101010101" pitchFamily="49" charset="-122"/>
+              </a:rPr>
+              <a:t>iqx</a:t>
+            </a:r>
+            <a:r>
+              <a:rPr lang="zh-CN" altLang="en-US" dirty="0" smtClean="0">
+                <a:latin typeface="仿宋" panose="02010609060101010101" pitchFamily="49" charset="-122"/>
+                <a:ea typeface="仿宋" panose="02010609060101010101" pitchFamily="49" charset="-122"/>
+              </a:rPr>
+              <a:t>结尾，提交到“</a:t>
+            </a:r>
+            <a:r>
+              <a:rPr lang="en-US" altLang="zh-CN" dirty="0" smtClean="0">
+                <a:latin typeface="仿宋" panose="02010609060101010101" pitchFamily="49" charset="-122"/>
+                <a:ea typeface="仿宋" panose="02010609060101010101" pitchFamily="49" charset="-122"/>
+              </a:rPr>
+              <a:t>4-</a:t>
+            </a:r>
+            <a:r>
+              <a:rPr lang="zh-CN" altLang="en-US" dirty="0" smtClean="0">
+                <a:latin typeface="仿宋" panose="02010609060101010101" pitchFamily="49" charset="-122"/>
+                <a:ea typeface="仿宋" panose="02010609060101010101" pitchFamily="49" charset="-122"/>
+              </a:rPr>
+              <a:t>作业提交</a:t>
+            </a:r>
+            <a:r>
+              <a:rPr lang="en-US" altLang="zh-CN" dirty="0" smtClean="0">
+                <a:latin typeface="仿宋" panose="02010609060101010101" pitchFamily="49" charset="-122"/>
+                <a:ea typeface="仿宋" panose="02010609060101010101" pitchFamily="49" charset="-122"/>
+              </a:rPr>
+              <a:t>/3-</a:t>
+            </a:r>
+            <a:r>
+              <a:rPr lang="zh-CN" altLang="en-US" dirty="0" smtClean="0">
+                <a:latin typeface="仿宋" panose="02010609060101010101" pitchFamily="49" charset="-122"/>
+                <a:ea typeface="仿宋" panose="02010609060101010101" pitchFamily="49" charset="-122"/>
+              </a:rPr>
+              <a:t>漂亮的指导语和结束语”文件夹当中，</a:t>
+            </a:r>
+            <a:r>
+              <a:rPr lang="zh-CN" altLang="en-US" dirty="0">
+                <a:latin typeface="仿宋" panose="02010609060101010101" pitchFamily="49" charset="-122"/>
+                <a:ea typeface="仿宋" panose="02010609060101010101" pitchFamily="49" charset="-122"/>
+              </a:rPr>
+              <a:t>以“名字</a:t>
+            </a:r>
+            <a:r>
+              <a:rPr lang="en-US" altLang="zh-CN" dirty="0" smtClean="0">
+                <a:latin typeface="仿宋" panose="02010609060101010101" pitchFamily="49" charset="-122"/>
+                <a:ea typeface="仿宋" panose="02010609060101010101" pitchFamily="49" charset="-122"/>
+              </a:rPr>
+              <a:t>_</a:t>
+            </a:r>
+            <a:r>
+              <a:rPr lang="zh-CN" altLang="en-US" dirty="0" smtClean="0">
+                <a:latin typeface="仿宋" panose="02010609060101010101" pitchFamily="49" charset="-122"/>
+                <a:ea typeface="仿宋" panose="02010609060101010101" pitchFamily="49" charset="-122"/>
+              </a:rPr>
+              <a:t>指导语</a:t>
+            </a:r>
+            <a:r>
+              <a:rPr lang="en-US" altLang="zh-CN" dirty="0" smtClean="0">
+                <a:latin typeface="仿宋" panose="02010609060101010101" pitchFamily="49" charset="-122"/>
+                <a:ea typeface="仿宋" panose="02010609060101010101" pitchFamily="49" charset="-122"/>
+              </a:rPr>
+              <a:t>.</a:t>
+            </a:r>
+            <a:r>
+              <a:rPr lang="en-US" altLang="zh-CN" dirty="0" err="1" smtClean="0">
+                <a:latin typeface="仿宋" panose="02010609060101010101" pitchFamily="49" charset="-122"/>
+                <a:ea typeface="仿宋" panose="02010609060101010101" pitchFamily="49" charset="-122"/>
+              </a:rPr>
+              <a:t>iqx</a:t>
+            </a:r>
+            <a:r>
+              <a:rPr lang="zh-CN" altLang="en-US" dirty="0" smtClean="0">
+                <a:latin typeface="仿宋" panose="02010609060101010101" pitchFamily="49" charset="-122"/>
+                <a:ea typeface="仿宋" panose="02010609060101010101" pitchFamily="49" charset="-122"/>
+              </a:rPr>
+              <a:t>”命名文件。（越漂亮，分数越高哦）</a:t>
+            </a:r>
             <a:endParaRPr lang="en-US" altLang="zh-CN" dirty="0" smtClean="0">
               <a:latin typeface="Times New Roman" panose="02020603050405020304" pitchFamily="18" charset="0"/>
               <a:ea typeface="仿宋" panose="02010609060101010101" pitchFamily="49" charset="-122"/>
@@ -4993,14 +5988,7 @@
                 <a:latin typeface="方正姚体" panose="02010601030101010101" pitchFamily="2" charset="-122"/>
                 <a:ea typeface="方正姚体" panose="02010601030101010101" pitchFamily="2" charset="-122"/>
               </a:rPr>
-              <a:t>今天讲什么</a:t>
-            </a:r>
-            <a:r>
-              <a:rPr lang="zh-CN" altLang="en-US" sz="5400" dirty="0" smtClean="0">
-                <a:latin typeface="方正姚体" panose="02010601030101010101" pitchFamily="2" charset="-122"/>
-                <a:ea typeface="方正姚体" panose="02010601030101010101" pitchFamily="2" charset="-122"/>
-              </a:rPr>
-              <a:t>？</a:t>
+              <a:t>今天讲什么？</a:t>
             </a:r>
             <a:endParaRPr lang="zh-CN" altLang="en-US" sz="5400" dirty="0">
               <a:latin typeface="方正姚体" panose="02010601030101010101" pitchFamily="2" charset="-122"/>
@@ -5120,7 +6108,14 @@
                 <a:latin typeface="仿宋" panose="02010609060101010101" pitchFamily="49" charset="-122"/>
                 <a:ea typeface="仿宋" panose="02010609060101010101" pitchFamily="49" charset="-122"/>
               </a:rPr>
-              <a:t>如何让程序更加正规（注视点，呈现时间随机）</a:t>
+              <a:t>如何让程序更加正规（注视点，呈现时间随机</a:t>
+            </a:r>
+            <a:r>
+              <a:rPr lang="zh-CN" altLang="en-US" sz="3600" dirty="0" smtClean="0">
+                <a:latin typeface="仿宋" panose="02010609060101010101" pitchFamily="49" charset="-122"/>
+                <a:ea typeface="仿宋" panose="02010609060101010101" pitchFamily="49" charset="-122"/>
+              </a:rPr>
+              <a:t>）</a:t>
             </a:r>
             <a:endParaRPr lang="en-US" altLang="zh-CN" sz="3600" dirty="0" smtClean="0">
               <a:latin typeface="仿宋" panose="02010609060101010101" pitchFamily="49" charset="-122"/>
@@ -5140,7 +6135,7 @@
                 <a:latin typeface="仿宋" panose="02010609060101010101" pitchFamily="49" charset="-122"/>
                 <a:ea typeface="仿宋" panose="02010609060101010101" pitchFamily="49" charset="-122"/>
               </a:rPr>
-              <a:t> 让指导语更漂亮，更专业</a:t>
+              <a:t> 加入被试反应的正误判断</a:t>
             </a:r>
             <a:endParaRPr lang="en-US" altLang="zh-CN" sz="3600" dirty="0" smtClean="0">
               <a:latin typeface="仿宋" panose="02010609060101010101" pitchFamily="49" charset="-122"/>
@@ -5160,38 +6155,18 @@
                 <a:latin typeface="仿宋" panose="02010609060101010101" pitchFamily="49" charset="-122"/>
                 <a:ea typeface="仿宋" panose="02010609060101010101" pitchFamily="49" charset="-122"/>
               </a:rPr>
-              <a:t> 看看</a:t>
-            </a:r>
-            <a:r>
-              <a:rPr lang="en-US" altLang="zh-CN" sz="3600" dirty="0" smtClean="0">
-                <a:latin typeface="仿宋" panose="02010609060101010101" pitchFamily="49" charset="-122"/>
-                <a:ea typeface="仿宋" panose="02010609060101010101" pitchFamily="49" charset="-122"/>
-              </a:rPr>
-              <a:t>Inquisit Lab </a:t>
+              <a:t> 让指导语更漂亮，更</a:t>
             </a:r>
             <a:r>
               <a:rPr lang="zh-CN" altLang="en-US" sz="3600" dirty="0" smtClean="0">
                 <a:latin typeface="仿宋" panose="02010609060101010101" pitchFamily="49" charset="-122"/>
                 <a:ea typeface="仿宋" panose="02010609060101010101" pitchFamily="49" charset="-122"/>
               </a:rPr>
-              <a:t>的数据的格式</a:t>
+              <a:t>专业</a:t>
             </a:r>
             <a:endParaRPr lang="en-US" altLang="zh-CN" sz="3600" dirty="0" smtClean="0">
               <a:latin typeface="仿宋" panose="02010609060101010101" pitchFamily="49" charset="-122"/>
               <a:ea typeface="仿宋" panose="02010609060101010101" pitchFamily="49" charset="-122"/>
-            </a:endParaRPr>
-          </a:p>
-          <a:p>
-            <a:pPr algn="just">
-              <a:lnSpc>
-                <a:spcPct val="150000"/>
-              </a:lnSpc>
-              <a:buFont typeface="Wingdings" panose="05000000000000000000" pitchFamily="2" charset="2"/>
-              <a:buChar char="Ø"/>
-            </a:pPr>
-            <a:endParaRPr lang="zh-CN" altLang="en-US" sz="3600" dirty="0">
-              <a:latin typeface="方正姚体" panose="02010601030101010101" pitchFamily="2" charset="-122"/>
-              <a:ea typeface="方正姚体" panose="02010601030101010101" pitchFamily="2" charset="-122"/>
             </a:endParaRPr>
           </a:p>
         </p:txBody>
@@ -5314,14 +6289,7 @@
                 <a:latin typeface="仿宋" panose="02010609060101010101" pitchFamily="49" charset="-122"/>
                 <a:ea typeface="仿宋" panose="02010609060101010101" pitchFamily="49" charset="-122"/>
               </a:rPr>
-              <a:t>1.1 </a:t>
-            </a:r>
-            <a:r>
-              <a:rPr lang="en-US" altLang="zh-CN" dirty="0" smtClean="0">
-                <a:latin typeface="仿宋" panose="02010609060101010101" pitchFamily="49" charset="-122"/>
-                <a:ea typeface="仿宋" panose="02010609060101010101" pitchFamily="49" charset="-122"/>
-              </a:rPr>
-              <a:t>Fork </a:t>
+              <a:t>1.1 Fork </a:t>
             </a:r>
             <a:r>
               <a:rPr lang="zh-CN" altLang="en-US" dirty="0" smtClean="0">
@@ -5777,14 +6745,7 @@
                 <a:latin typeface="仿宋" panose="02010609060101010101" pitchFamily="49" charset="-122"/>
                 <a:ea typeface="仿宋" panose="02010609060101010101" pitchFamily="49" charset="-122"/>
               </a:rPr>
-              <a:t>3.1 </a:t>
-            </a:r>
-            <a:r>
-              <a:rPr lang="en-US" altLang="zh-CN" dirty="0" smtClean="0">
-                <a:latin typeface="仿宋" panose="02010609060101010101" pitchFamily="49" charset="-122"/>
-                <a:ea typeface="仿宋" panose="02010609060101010101" pitchFamily="49" charset="-122"/>
-              </a:rPr>
-              <a:t>Stroop </a:t>
+              <a:t>3.1 Stroop </a:t>
             </a:r>
             <a:r>
               <a:rPr lang="zh-CN" altLang="en-US" dirty="0" smtClean="0">
@@ -5859,175 +6820,63 @@
                 <a:latin typeface="仿宋" panose="02010609060101010101" pitchFamily="49" charset="-122"/>
                 <a:ea typeface="仿宋" panose="02010609060101010101" pitchFamily="49" charset="-122"/>
               </a:rPr>
-              <a:t>任务</a:t>
+              <a:t>任务描述：屏幕中央出现颜色字，要求被试判断颜色字的字意和显示颜色是否一致，如果是一致的按“</a:t>
+            </a:r>
+            <a:r>
+              <a:rPr lang="en-US" altLang="zh-CN" sz="2000" dirty="0" smtClean="0">
+                <a:latin typeface="仿宋" panose="02010609060101010101" pitchFamily="49" charset="-122"/>
+                <a:ea typeface="仿宋" panose="02010609060101010101" pitchFamily="49" charset="-122"/>
+              </a:rPr>
+              <a:t>F</a:t>
             </a:r>
             <a:r>
               <a:rPr lang="zh-CN" altLang="en-US" sz="2000" dirty="0" smtClean="0">
                 <a:latin typeface="仿宋" panose="02010609060101010101" pitchFamily="49" charset="-122"/>
                 <a:ea typeface="仿宋" panose="02010609060101010101" pitchFamily="49" charset="-122"/>
               </a:rPr>
-              <a:t>描述：屏幕中央</a:t>
+              <a:t>”键，如果是</a:t>
+            </a:r>
+            <a:r>
+              <a:rPr lang="zh-CN" altLang="en-US" sz="2000" dirty="0">
+                <a:latin typeface="仿宋" panose="02010609060101010101" pitchFamily="49" charset="-122"/>
+                <a:ea typeface="仿宋" panose="02010609060101010101" pitchFamily="49" charset="-122"/>
+              </a:rPr>
+              <a:t>不</a:t>
             </a:r>
             <a:r>
               <a:rPr lang="zh-CN" altLang="en-US" sz="2000" dirty="0" smtClean="0">
                 <a:latin typeface="仿宋" panose="02010609060101010101" pitchFamily="49" charset="-122"/>
                 <a:ea typeface="仿宋" panose="02010609060101010101" pitchFamily="49" charset="-122"/>
               </a:rPr>
-              <a:t>出现颜色字，</a:t>
+              <a:t>一致的则按“</a:t>
+            </a:r>
+            <a:r>
+              <a:rPr lang="en-US" altLang="zh-CN" sz="2000" dirty="0" smtClean="0">
+                <a:latin typeface="仿宋" panose="02010609060101010101" pitchFamily="49" charset="-122"/>
+                <a:ea typeface="仿宋" panose="02010609060101010101" pitchFamily="49" charset="-122"/>
+              </a:rPr>
+              <a:t>J</a:t>
             </a:r>
             <a:r>
               <a:rPr lang="zh-CN" altLang="en-US" sz="2000" dirty="0" smtClean="0">
                 <a:latin typeface="仿宋" panose="02010609060101010101" pitchFamily="49" charset="-122"/>
                 <a:ea typeface="仿宋" panose="02010609060101010101" pitchFamily="49" charset="-122"/>
               </a:rPr>
-              <a:t>要求被试</a:t>
+              <a:t>”键。要求被试判断</a:t>
+            </a:r>
+            <a:r>
+              <a:rPr lang="en-US" altLang="zh-CN" sz="2000" dirty="0" smtClean="0">
+                <a:latin typeface="仿宋" panose="02010609060101010101" pitchFamily="49" charset="-122"/>
+                <a:ea typeface="仿宋" panose="02010609060101010101" pitchFamily="49" charset="-122"/>
+              </a:rPr>
+              <a:t>18</a:t>
             </a:r>
             <a:r>
               <a:rPr lang="zh-CN" altLang="en-US" sz="2000" dirty="0" smtClean="0">
                 <a:latin typeface="仿宋" panose="02010609060101010101" pitchFamily="49" charset="-122"/>
                 <a:ea typeface="仿宋" panose="02010609060101010101" pitchFamily="49" charset="-122"/>
               </a:rPr>
-              <a:t>判断</a:t>
-            </a:r>
-            <a:r>
-              <a:rPr lang="zh-CN" altLang="en-US" sz="2000" dirty="0" smtClean="0">
-                <a:latin typeface="仿宋" panose="02010609060101010101" pitchFamily="49" charset="-122"/>
-                <a:ea typeface="仿宋" panose="02010609060101010101" pitchFamily="49" charset="-122"/>
-              </a:rPr>
-              <a:t>颜色字的字意和显示颜色是否一致</a:t>
-            </a:r>
-            <a:r>
-              <a:rPr lang="zh-CN" altLang="en-US" sz="2000" dirty="0" smtClean="0">
-                <a:latin typeface="仿宋" panose="02010609060101010101" pitchFamily="49" charset="-122"/>
-                <a:ea typeface="仿宋" panose="02010609060101010101" pitchFamily="49" charset="-122"/>
-              </a:rPr>
-              <a:t>，</a:t>
-            </a:r>
-            <a:r>
-              <a:rPr lang="zh-CN" altLang="en-US" sz="2000" dirty="0" smtClean="0">
-                <a:latin typeface="仿宋" panose="02010609060101010101" pitchFamily="49" charset="-122"/>
-                <a:ea typeface="仿宋" panose="02010609060101010101" pitchFamily="49" charset="-122"/>
-              </a:rPr>
-              <a:t>如果</a:t>
-            </a:r>
-            <a:r>
-              <a:rPr lang="zh-CN" altLang="en-US" sz="2000" dirty="0" smtClean="0">
-                <a:latin typeface="仿宋" panose="02010609060101010101" pitchFamily="49" charset="-122"/>
-                <a:ea typeface="仿宋" panose="02010609060101010101" pitchFamily="49" charset="-122"/>
-              </a:rPr>
-              <a:t>是</a:t>
-            </a:r>
-            <a:r>
-              <a:rPr lang="zh-CN" altLang="en-US" sz="2000" dirty="0" smtClean="0">
-                <a:latin typeface="仿宋" panose="02010609060101010101" pitchFamily="49" charset="-122"/>
-                <a:ea typeface="仿宋" panose="02010609060101010101" pitchFamily="49" charset="-122"/>
-              </a:rPr>
-              <a:t>一致的</a:t>
-            </a:r>
-            <a:r>
-              <a:rPr lang="zh-CN" altLang="en-US" sz="2000" dirty="0" smtClean="0">
-                <a:latin typeface="仿宋" panose="02010609060101010101" pitchFamily="49" charset="-122"/>
-                <a:ea typeface="仿宋" panose="02010609060101010101" pitchFamily="49" charset="-122"/>
-              </a:rPr>
-              <a:t>按</a:t>
-            </a:r>
-            <a:r>
-              <a:rPr lang="zh-CN" altLang="en-US" sz="2000" dirty="0" smtClean="0">
-                <a:latin typeface="仿宋" panose="02010609060101010101" pitchFamily="49" charset="-122"/>
-                <a:ea typeface="仿宋" panose="02010609060101010101" pitchFamily="49" charset="-122"/>
-              </a:rPr>
-              <a:t>“</a:t>
-            </a:r>
-            <a:r>
-              <a:rPr lang="en-US" altLang="zh-CN" sz="2000" dirty="0" smtClean="0">
-                <a:latin typeface="仿宋" panose="02010609060101010101" pitchFamily="49" charset="-122"/>
-                <a:ea typeface="仿宋" panose="02010609060101010101" pitchFamily="49" charset="-122"/>
-              </a:rPr>
-              <a:t>F</a:t>
-            </a:r>
-            <a:r>
-              <a:rPr lang="zh-CN" altLang="en-US" sz="2000" dirty="0" smtClean="0">
-                <a:latin typeface="仿宋" panose="02010609060101010101" pitchFamily="49" charset="-122"/>
-                <a:ea typeface="仿宋" panose="02010609060101010101" pitchFamily="49" charset="-122"/>
-              </a:rPr>
-              <a:t>”键，如果</a:t>
-            </a:r>
-            <a:r>
-              <a:rPr lang="zh-CN" altLang="en-US" sz="2000" dirty="0" smtClean="0">
-                <a:latin typeface="仿宋" panose="02010609060101010101" pitchFamily="49" charset="-122"/>
-                <a:ea typeface="仿宋" panose="02010609060101010101" pitchFamily="49" charset="-122"/>
-              </a:rPr>
-              <a:t>是</a:t>
-            </a:r>
-            <a:r>
-              <a:rPr lang="zh-CN" altLang="en-US" sz="2000" dirty="0">
-                <a:latin typeface="仿宋" panose="02010609060101010101" pitchFamily="49" charset="-122"/>
-                <a:ea typeface="仿宋" panose="02010609060101010101" pitchFamily="49" charset="-122"/>
-              </a:rPr>
-              <a:t>不</a:t>
-            </a:r>
-            <a:r>
-              <a:rPr lang="zh-CN" altLang="en-US" sz="2000" dirty="0" smtClean="0">
-                <a:latin typeface="仿宋" panose="02010609060101010101" pitchFamily="49" charset="-122"/>
-                <a:ea typeface="仿宋" panose="02010609060101010101" pitchFamily="49" charset="-122"/>
-              </a:rPr>
-              <a:t>一致的</a:t>
-            </a:r>
-            <a:r>
-              <a:rPr lang="zh-CN" altLang="en-US" sz="2000" dirty="0" smtClean="0">
-                <a:latin typeface="仿宋" panose="02010609060101010101" pitchFamily="49" charset="-122"/>
-                <a:ea typeface="仿宋" panose="02010609060101010101" pitchFamily="49" charset="-122"/>
-              </a:rPr>
-              <a:t>则</a:t>
-            </a:r>
-            <a:r>
-              <a:rPr lang="zh-CN" altLang="en-US" sz="2000" dirty="0" smtClean="0">
-                <a:latin typeface="仿宋" panose="02010609060101010101" pitchFamily="49" charset="-122"/>
-                <a:ea typeface="仿宋" panose="02010609060101010101" pitchFamily="49" charset="-122"/>
-              </a:rPr>
-              <a:t>按“</a:t>
-            </a:r>
-            <a:r>
-              <a:rPr lang="en-US" altLang="zh-CN" sz="2000" dirty="0" smtClean="0">
-                <a:latin typeface="仿宋" panose="02010609060101010101" pitchFamily="49" charset="-122"/>
-                <a:ea typeface="仿宋" panose="02010609060101010101" pitchFamily="49" charset="-122"/>
-              </a:rPr>
-              <a:t>J</a:t>
-            </a:r>
-            <a:r>
-              <a:rPr lang="zh-CN" altLang="en-US" sz="2000" dirty="0" smtClean="0">
-                <a:latin typeface="仿宋" panose="02010609060101010101" pitchFamily="49" charset="-122"/>
-                <a:ea typeface="仿宋" panose="02010609060101010101" pitchFamily="49" charset="-122"/>
-              </a:rPr>
-              <a:t>”键。要求被试判断</a:t>
-            </a:r>
-            <a:r>
-              <a:rPr lang="en-US" altLang="zh-CN" sz="2000" dirty="0" smtClean="0">
-                <a:latin typeface="仿宋" panose="02010609060101010101" pitchFamily="49" charset="-122"/>
-                <a:ea typeface="仿宋" panose="02010609060101010101" pitchFamily="49" charset="-122"/>
-              </a:rPr>
-              <a:t>18</a:t>
-            </a:r>
-            <a:r>
-              <a:rPr lang="zh-CN" altLang="en-US" sz="2000" dirty="0" smtClean="0">
-                <a:latin typeface="仿宋" panose="02010609060101010101" pitchFamily="49" charset="-122"/>
-                <a:ea typeface="仿宋" panose="02010609060101010101" pitchFamily="49" charset="-122"/>
-              </a:rPr>
-              <a:t>次，</a:t>
-            </a:r>
-            <a:r>
-              <a:rPr lang="zh-CN" altLang="en-US" sz="2000" dirty="0" smtClean="0">
-                <a:latin typeface="仿宋" panose="02010609060101010101" pitchFamily="49" charset="-122"/>
-                <a:ea typeface="仿宋" panose="02010609060101010101" pitchFamily="49" charset="-122"/>
-              </a:rPr>
-              <a:t>一致的</a:t>
-            </a:r>
-            <a:r>
-              <a:rPr lang="zh-CN" altLang="en-US" sz="2000" dirty="0" smtClean="0">
-                <a:latin typeface="仿宋" panose="02010609060101010101" pitchFamily="49" charset="-122"/>
-                <a:ea typeface="仿宋" panose="02010609060101010101" pitchFamily="49" charset="-122"/>
-              </a:rPr>
-              <a:t>和不一致的随机呈现。</a:t>
+              <a:t>次，一致的和不一致的随机呈现。</a:t>
             </a:r>
             <a:endParaRPr lang="en-US" altLang="zh-CN" sz="2000" dirty="0" smtClean="0">
               <a:latin typeface="仿宋" panose="02010609060101010101" pitchFamily="49" charset="-122"/>
@@ -6089,63 +6938,21 @@
                 <a:latin typeface="仿宋" panose="02010609060101010101" pitchFamily="49" charset="-122"/>
                 <a:ea typeface="仿宋" panose="02010609060101010101" pitchFamily="49" charset="-122"/>
               </a:rPr>
-              <a:t>中随机</a:t>
+              <a:t>中随机呈现</a:t>
+            </a:r>
+            <a:r>
+              <a:rPr lang="zh-CN" altLang="en-US" sz="2000" dirty="0">
+                <a:latin typeface="仿宋" panose="02010609060101010101" pitchFamily="49" charset="-122"/>
+                <a:ea typeface="仿宋" panose="02010609060101010101" pitchFamily="49" charset="-122"/>
+              </a:rPr>
+              <a:t>颜色自</a:t>
             </a:r>
             <a:r>
               <a:rPr lang="zh-CN" altLang="en-US" sz="2000" dirty="0" smtClean="0">
                 <a:latin typeface="仿宋" panose="02010609060101010101" pitchFamily="49" charset="-122"/>
                 <a:ea typeface="仿宋" panose="02010609060101010101" pitchFamily="49" charset="-122"/>
               </a:rPr>
-              <a:t>呈现</a:t>
-            </a:r>
-            <a:r>
-              <a:rPr lang="zh-CN" altLang="en-US" sz="2000" dirty="0">
-                <a:latin typeface="仿宋" panose="02010609060101010101" pitchFamily="49" charset="-122"/>
-                <a:ea typeface="仿宋" panose="02010609060101010101" pitchFamily="49" charset="-122"/>
-              </a:rPr>
-              <a:t>颜色自</a:t>
-            </a:r>
-            <a:r>
-              <a:rPr lang="zh-CN" altLang="en-US" sz="2000" dirty="0" smtClean="0">
-                <a:latin typeface="仿宋" panose="02010609060101010101" pitchFamily="49" charset="-122"/>
-                <a:ea typeface="仿宋" panose="02010609060101010101" pitchFamily="49" charset="-122"/>
-              </a:rPr>
-              <a:t>，</a:t>
-            </a:r>
-            <a:r>
-              <a:rPr lang="zh-CN" altLang="en-US" sz="2000" dirty="0" smtClean="0">
-                <a:latin typeface="仿宋" panose="02010609060101010101" pitchFamily="49" charset="-122"/>
-                <a:ea typeface="仿宋" panose="02010609060101010101" pitchFamily="49" charset="-122"/>
-              </a:rPr>
-              <a:t>被试看</a:t>
-            </a:r>
-            <a:r>
-              <a:rPr lang="zh-CN" altLang="en-US" sz="2000" dirty="0" smtClean="0">
-                <a:latin typeface="仿宋" panose="02010609060101010101" pitchFamily="49" charset="-122"/>
-                <a:ea typeface="仿宋" panose="02010609060101010101" pitchFamily="49" charset="-122"/>
-              </a:rPr>
-              <a:t>到</a:t>
-            </a:r>
-            <a:r>
-              <a:rPr lang="zh-CN" altLang="en-US" sz="2000" dirty="0" smtClean="0">
-                <a:latin typeface="仿宋" panose="02010609060101010101" pitchFamily="49" charset="-122"/>
-                <a:ea typeface="仿宋" panose="02010609060101010101" pitchFamily="49" charset="-122"/>
-              </a:rPr>
-              <a:t>颜色字之后</a:t>
-            </a:r>
-            <a:r>
-              <a:rPr lang="zh-CN" altLang="en-US" sz="2000" dirty="0" smtClean="0">
-                <a:latin typeface="仿宋" panose="02010609060101010101" pitchFamily="49" charset="-122"/>
-                <a:ea typeface="仿宋" panose="02010609060101010101" pitchFamily="49" charset="-122"/>
-              </a:rPr>
-              <a:t>进行</a:t>
-            </a:r>
-            <a:r>
-              <a:rPr lang="zh-CN" altLang="en-US" sz="2000" dirty="0" smtClean="0">
-                <a:latin typeface="仿宋" panose="02010609060101010101" pitchFamily="49" charset="-122"/>
-                <a:ea typeface="仿宋" panose="02010609060101010101" pitchFamily="49" charset="-122"/>
-              </a:rPr>
-              <a:t>按键反应，当前</a:t>
+              <a:t>，被试看到颜色字之后进行按键反应，当前</a:t>
             </a:r>
             <a:r>
               <a:rPr lang="en-US" altLang="zh-CN" sz="2000" dirty="0" smtClean="0">
